--- a/Project supporting Artifacts/Friday Presentations/presentation_Friday 10th.pptx
+++ b/Project supporting Artifacts/Friday Presentations/presentation_Friday 10th.pptx
@@ -107,6 +107,11 @@
       </a:defRPr>
     </a:lvl9pPr>
   </p:defaultTextStyle>
+  <p:extLst>
+    <p:ext uri="{EFAFB233-063F-42B5-8137-9DF3F51BA10A}">
+      <p15:sldGuideLst xmlns:p15="http://schemas.microsoft.com/office/powerpoint/2012/main"/>
+    </p:ext>
+  </p:extLst>
 </p:presentation>
 </file>
 
@@ -1713,8 +1718,8 @@
             </a:lnSpc>
           </a:pPr>
           <a:r>
-            <a:rPr lang="en-US"/>
-            <a:t>Demo</a:t>
+            <a:rPr lang="en-US" dirty="0"/>
+            <a:t>Updated architecture</a:t>
           </a:r>
         </a:p>
       </dgm:t>
@@ -1741,6 +1746,48 @@
         </a:p>
       </dgm:t>
     </dgm:pt>
+    <dgm:pt modelId="{3D740F60-27FC-0149-8A74-61027B91BDA1}">
+      <dgm:prSet/>
+      <dgm:spPr/>
+      <dgm:t>
+        <a:bodyPr/>
+        <a:lstStyle/>
+        <a:p>
+          <a:pPr>
+            <a:lnSpc>
+              <a:spcPct val="100000"/>
+            </a:lnSpc>
+          </a:pPr>
+          <a:r>
+            <a:rPr lang="en-GB"/>
+            <a:t>Demo</a:t>
+          </a:r>
+          <a:endParaRPr lang="en-GB" dirty="0"/>
+        </a:p>
+      </dgm:t>
+    </dgm:pt>
+    <dgm:pt modelId="{9DEF4F32-75C8-3549-A5BF-8E92B60463A4}" type="parTrans" cxnId="{014DEF7D-CB00-F749-8160-BCCFEB604164}">
+      <dgm:prSet/>
+      <dgm:spPr/>
+      <dgm:t>
+        <a:bodyPr/>
+        <a:lstStyle/>
+        <a:p>
+          <a:endParaRPr lang="en-GB"/>
+        </a:p>
+      </dgm:t>
+    </dgm:pt>
+    <dgm:pt modelId="{FC30CBA7-93B0-D448-AC97-9530E3F9F81E}" type="sibTrans" cxnId="{014DEF7D-CB00-F749-8160-BCCFEB604164}">
+      <dgm:prSet/>
+      <dgm:spPr/>
+      <dgm:t>
+        <a:bodyPr/>
+        <a:lstStyle/>
+        <a:p>
+          <a:endParaRPr lang="en-GB"/>
+        </a:p>
+      </dgm:t>
+    </dgm:pt>
     <dgm:pt modelId="{1CEFE27C-A891-410F-94B3-725E208ED373}" type="pres">
       <dgm:prSet presAssocID="{DA2360DD-8D88-4BDB-8503-6CDE9A331009}" presName="root" presStyleCnt="0">
         <dgm:presLayoutVars>
@@ -1755,7 +1802,7 @@
       <dgm:spPr/>
     </dgm:pt>
     <dgm:pt modelId="{01937893-9439-47BC-8A26-1F6E005712DC}" type="pres">
-      <dgm:prSet presAssocID="{5C64F2A1-47B0-4693-9208-251A6F2AB1A5}" presName="iconRect" presStyleLbl="node1" presStyleIdx="0" presStyleCnt="3"/>
+      <dgm:prSet presAssocID="{5C64F2A1-47B0-4693-9208-251A6F2AB1A5}" presName="iconRect" presStyleLbl="node1" presStyleIdx="0" presStyleCnt="4"/>
       <dgm:spPr>
         <a:blipFill>
           <a:blip xmlns:r="http://schemas.openxmlformats.org/officeDocument/2006/relationships" r:embed="rId1">
@@ -1784,7 +1831,7 @@
       <dgm:spPr/>
     </dgm:pt>
     <dgm:pt modelId="{8CA3F2C7-6179-4847-95C7-1644CB1BA920}" type="pres">
-      <dgm:prSet presAssocID="{5C64F2A1-47B0-4693-9208-251A6F2AB1A5}" presName="textRect" presStyleLbl="revTx" presStyleIdx="0" presStyleCnt="3">
+      <dgm:prSet presAssocID="{5C64F2A1-47B0-4693-9208-251A6F2AB1A5}" presName="textRect" presStyleLbl="revTx" presStyleIdx="0" presStyleCnt="4">
         <dgm:presLayoutVars>
           <dgm:chMax val="1"/>
           <dgm:chPref val="1"/>
@@ -1801,7 +1848,7 @@
       <dgm:spPr/>
     </dgm:pt>
     <dgm:pt modelId="{6C41D7EE-8D59-4A3C-B297-5F9DF23EBD63}" type="pres">
-      <dgm:prSet presAssocID="{C7346ADC-03E3-4A16-B356-8A79CB62F79E}" presName="iconRect" presStyleLbl="node1" presStyleIdx="1" presStyleCnt="3"/>
+      <dgm:prSet presAssocID="{C7346ADC-03E3-4A16-B356-8A79CB62F79E}" presName="iconRect" presStyleLbl="node1" presStyleIdx="1" presStyleCnt="4"/>
       <dgm:spPr>
         <a:blipFill>
           <a:blip xmlns:r="http://schemas.openxmlformats.org/officeDocument/2006/relationships" r:embed="rId3">
@@ -1830,7 +1877,7 @@
       <dgm:spPr/>
     </dgm:pt>
     <dgm:pt modelId="{8266F77F-CA87-4013-BB0D-FF239A62604C}" type="pres">
-      <dgm:prSet presAssocID="{C7346ADC-03E3-4A16-B356-8A79CB62F79E}" presName="textRect" presStyleLbl="revTx" presStyleIdx="1" presStyleCnt="3">
+      <dgm:prSet presAssocID="{C7346ADC-03E3-4A16-B356-8A79CB62F79E}" presName="textRect" presStyleLbl="revTx" presStyleIdx="1" presStyleCnt="4">
         <dgm:presLayoutVars>
           <dgm:chMax val="1"/>
           <dgm:chPref val="1"/>
@@ -1847,19 +1894,17 @@
       <dgm:spPr/>
     </dgm:pt>
     <dgm:pt modelId="{EE4D6EBE-AF35-4EFF-80AE-7538DD132608}" type="pres">
-      <dgm:prSet presAssocID="{CFA0347A-E1C0-4B8F-AC42-135A8CA893B4}" presName="iconRect" presStyleLbl="node1" presStyleIdx="2" presStyleCnt="3"/>
+      <dgm:prSet presAssocID="{CFA0347A-E1C0-4B8F-AC42-135A8CA893B4}" presName="iconRect" presStyleLbl="node1" presStyleIdx="2" presStyleCnt="4" custLinFactNeighborX="-1014" custLinFactNeighborY="-7126"/>
       <dgm:spPr>
         <a:blipFill>
           <a:blip xmlns:r="http://schemas.openxmlformats.org/officeDocument/2006/relationships" r:embed="rId5">
             <a:extLst>
-              <a:ext uri="{28A0092B-C50C-407E-A947-70E740481C1C}">
-                <a14:useLocalDpi xmlns:a14="http://schemas.microsoft.com/office/drawing/2010/main" val="0"/>
-              </a:ext>
               <a:ext uri="{96DAC541-7B7A-43D3-8B79-37D633B846F1}">
                 <asvg:svgBlip xmlns:asvg="http://schemas.microsoft.com/office/drawing/2016/SVG/main" r:embed="rId6"/>
               </a:ext>
             </a:extLst>
           </a:blip>
+          <a:srcRect/>
           <a:stretch>
             <a:fillRect/>
           </a:stretch>
@@ -1867,7 +1912,7 @@
       </dgm:spPr>
       <dgm:extLst>
         <a:ext uri="{E40237B7-FDA0-4F09-8148-C483321AD2D9}">
-          <dgm14:cNvPr xmlns:dgm14="http://schemas.microsoft.com/office/drawing/2010/diagram" id="0" name="" descr="Play"/>
+          <dgm14:cNvPr xmlns:dgm14="http://schemas.microsoft.com/office/drawing/2010/diagram" id="0" name="" descr="Internet Of Things with solid fill"/>
         </a:ext>
       </dgm:extLst>
     </dgm:pt>
@@ -1876,7 +1921,51 @@
       <dgm:spPr/>
     </dgm:pt>
     <dgm:pt modelId="{96E93814-934C-4BAF-BD57-7CF8592B0560}" type="pres">
-      <dgm:prSet presAssocID="{CFA0347A-E1C0-4B8F-AC42-135A8CA893B4}" presName="textRect" presStyleLbl="revTx" presStyleIdx="2" presStyleCnt="3">
+      <dgm:prSet presAssocID="{CFA0347A-E1C0-4B8F-AC42-135A8CA893B4}" presName="textRect" presStyleLbl="revTx" presStyleIdx="2" presStyleCnt="4">
+        <dgm:presLayoutVars>
+          <dgm:chMax val="1"/>
+          <dgm:chPref val="1"/>
+        </dgm:presLayoutVars>
+      </dgm:prSet>
+      <dgm:spPr/>
+    </dgm:pt>
+    <dgm:pt modelId="{3DD5E49E-4C99-5342-BBED-0BEA5D2ABAE8}" type="pres">
+      <dgm:prSet presAssocID="{957683BA-1275-44BF-801C-E1CE420D22D5}" presName="sibTrans" presStyleCnt="0"/>
+      <dgm:spPr/>
+    </dgm:pt>
+    <dgm:pt modelId="{A7C4232E-EE34-DE4C-9CD5-9B01DC0E37F8}" type="pres">
+      <dgm:prSet presAssocID="{3D740F60-27FC-0149-8A74-61027B91BDA1}" presName="compNode" presStyleCnt="0"/>
+      <dgm:spPr/>
+    </dgm:pt>
+    <dgm:pt modelId="{9F6963A2-AAFD-974F-8050-BD261497179B}" type="pres">
+      <dgm:prSet presAssocID="{3D740F60-27FC-0149-8A74-61027B91BDA1}" presName="iconRect" presStyleLbl="node1" presStyleIdx="3" presStyleCnt="4"/>
+      <dgm:spPr>
+        <a:blipFill>
+          <a:blip xmlns:r="http://schemas.openxmlformats.org/officeDocument/2006/relationships" r:embed="rId7">
+            <a:extLst>
+              <a:ext uri="{96DAC541-7B7A-43D3-8B79-37D633B846F1}">
+                <asvg:svgBlip xmlns:asvg="http://schemas.microsoft.com/office/drawing/2016/SVG/main" r:embed="rId8"/>
+              </a:ext>
+            </a:extLst>
+          </a:blip>
+          <a:srcRect/>
+          <a:stretch>
+            <a:fillRect/>
+          </a:stretch>
+        </a:blipFill>
+      </dgm:spPr>
+      <dgm:extLst>
+        <a:ext uri="{E40237B7-FDA0-4F09-8148-C483321AD2D9}">
+          <dgm14:cNvPr xmlns:dgm14="http://schemas.microsoft.com/office/drawing/2010/diagram" id="0" name="" descr="Play with solid fill"/>
+        </a:ext>
+      </dgm:extLst>
+    </dgm:pt>
+    <dgm:pt modelId="{D2CCDC81-AC73-0543-B893-F971433EA141}" type="pres">
+      <dgm:prSet presAssocID="{3D740F60-27FC-0149-8A74-61027B91BDA1}" presName="spaceRect" presStyleCnt="0"/>
+      <dgm:spPr/>
+    </dgm:pt>
+    <dgm:pt modelId="{ADA84261-AFA7-8744-8C4D-1DDDD23BD50B}" type="pres">
+      <dgm:prSet presAssocID="{3D740F60-27FC-0149-8A74-61027B91BDA1}" presName="textRect" presStyleLbl="revTx" presStyleIdx="3" presStyleCnt="4">
         <dgm:presLayoutVars>
           <dgm:chMax val="1"/>
           <dgm:chPref val="1"/>
@@ -1887,8 +1976,10 @@
   </dgm:ptLst>
   <dgm:cxnLst>
     <dgm:cxn modelId="{1D5A5806-2832-4174-A467-340C0460BF4D}" type="presOf" srcId="{5C64F2A1-47B0-4693-9208-251A6F2AB1A5}" destId="{8CA3F2C7-6179-4847-95C7-1644CB1BA920}" srcOrd="0" destOrd="0" presId="urn:microsoft.com/office/officeart/2018/2/layout/IconLabelList"/>
+    <dgm:cxn modelId="{8F2CDF3D-87C3-5E4F-B07B-2634F3B00457}" type="presOf" srcId="{3D740F60-27FC-0149-8A74-61027B91BDA1}" destId="{ADA84261-AFA7-8744-8C4D-1DDDD23BD50B}" srcOrd="0" destOrd="0" presId="urn:microsoft.com/office/officeart/2018/2/layout/IconLabelList"/>
     <dgm:cxn modelId="{8DA59E54-4C65-4558-BE97-3D5648C5E4B0}" srcId="{DA2360DD-8D88-4BDB-8503-6CDE9A331009}" destId="{CFA0347A-E1C0-4B8F-AC42-135A8CA893B4}" srcOrd="2" destOrd="0" parTransId="{6ACAAC9E-EE45-4346-A541-20B35FD6FA0A}" sibTransId="{957683BA-1275-44BF-801C-E1CE420D22D5}"/>
     <dgm:cxn modelId="{842DE861-A278-4C94-819E-81C7AE8C2455}" type="presOf" srcId="{CFA0347A-E1C0-4B8F-AC42-135A8CA893B4}" destId="{96E93814-934C-4BAF-BD57-7CF8592B0560}" srcOrd="0" destOrd="0" presId="urn:microsoft.com/office/officeart/2018/2/layout/IconLabelList"/>
+    <dgm:cxn modelId="{014DEF7D-CB00-F749-8160-BCCFEB604164}" srcId="{DA2360DD-8D88-4BDB-8503-6CDE9A331009}" destId="{3D740F60-27FC-0149-8A74-61027B91BDA1}" srcOrd="3" destOrd="0" parTransId="{9DEF4F32-75C8-3549-A5BF-8E92B60463A4}" sibTransId="{FC30CBA7-93B0-D448-AC97-9530E3F9F81E}"/>
     <dgm:cxn modelId="{D4F89994-CD3F-4434-875C-0A76B86171C4}" type="presOf" srcId="{C7346ADC-03E3-4A16-B356-8A79CB62F79E}" destId="{8266F77F-CA87-4013-BB0D-FF239A62604C}" srcOrd="0" destOrd="0" presId="urn:microsoft.com/office/officeart/2018/2/layout/IconLabelList"/>
     <dgm:cxn modelId="{C631DE98-088E-46DE-A4BA-3E7845D18F5D}" srcId="{DA2360DD-8D88-4BDB-8503-6CDE9A331009}" destId="{5C64F2A1-47B0-4693-9208-251A6F2AB1A5}" srcOrd="0" destOrd="0" parTransId="{85D1FDEE-8F90-4E26-AA99-859BCD120A0C}" sibTransId="{A9E142F8-7740-43A2-9865-BAE4A6165FC5}"/>
     <dgm:cxn modelId="{E796DECB-429E-468C-9C7B-29D8845556FB}" srcId="{DA2360DD-8D88-4BDB-8503-6CDE9A331009}" destId="{C7346ADC-03E3-4A16-B356-8A79CB62F79E}" srcOrd="1" destOrd="0" parTransId="{0832AD43-CF87-4394-843A-397F39B4B3FA}" sibTransId="{AAFA3DE8-34F9-46BD-99FA-1F4248D94399}"/>
@@ -1907,6 +1998,11 @@
     <dgm:cxn modelId="{219C02F8-858A-4EF8-A5BC-9BA8CB97FA1A}" type="presParOf" srcId="{C0D4C7BC-EEB5-4E54-B0D1-0F5DA7BC6D1B}" destId="{EE4D6EBE-AF35-4EFF-80AE-7538DD132608}" srcOrd="0" destOrd="0" presId="urn:microsoft.com/office/officeart/2018/2/layout/IconLabelList"/>
     <dgm:cxn modelId="{F33F417C-A630-456A-860D-5B0A6F32DBE7}" type="presParOf" srcId="{C0D4C7BC-EEB5-4E54-B0D1-0F5DA7BC6D1B}" destId="{15CAADFE-3BC7-4CFC-A2AE-A4ED4CEA2067}" srcOrd="1" destOrd="0" presId="urn:microsoft.com/office/officeart/2018/2/layout/IconLabelList"/>
     <dgm:cxn modelId="{9D608539-4FA1-4042-8AF3-65E89190B6CB}" type="presParOf" srcId="{C0D4C7BC-EEB5-4E54-B0D1-0F5DA7BC6D1B}" destId="{96E93814-934C-4BAF-BD57-7CF8592B0560}" srcOrd="2" destOrd="0" presId="urn:microsoft.com/office/officeart/2018/2/layout/IconLabelList"/>
+    <dgm:cxn modelId="{52EDB17C-42DE-9E41-AA0D-258768279D08}" type="presParOf" srcId="{1CEFE27C-A891-410F-94B3-725E208ED373}" destId="{3DD5E49E-4C99-5342-BBED-0BEA5D2ABAE8}" srcOrd="5" destOrd="0" presId="urn:microsoft.com/office/officeart/2018/2/layout/IconLabelList"/>
+    <dgm:cxn modelId="{BBB874B4-3840-C04F-9ADF-42AED1DD3780}" type="presParOf" srcId="{1CEFE27C-A891-410F-94B3-725E208ED373}" destId="{A7C4232E-EE34-DE4C-9CD5-9B01DC0E37F8}" srcOrd="6" destOrd="0" presId="urn:microsoft.com/office/officeart/2018/2/layout/IconLabelList"/>
+    <dgm:cxn modelId="{958601A5-0C82-B44F-B13B-34FB7E3CFBA6}" type="presParOf" srcId="{A7C4232E-EE34-DE4C-9CD5-9B01DC0E37F8}" destId="{9F6963A2-AAFD-974F-8050-BD261497179B}" srcOrd="0" destOrd="0" presId="urn:microsoft.com/office/officeart/2018/2/layout/IconLabelList"/>
+    <dgm:cxn modelId="{BD13E4FB-7E93-DA4D-A6EE-BB5517F87129}" type="presParOf" srcId="{A7C4232E-EE34-DE4C-9CD5-9B01DC0E37F8}" destId="{D2CCDC81-AC73-0543-B893-F971433EA141}" srcOrd="1" destOrd="0" presId="urn:microsoft.com/office/officeart/2018/2/layout/IconLabelList"/>
+    <dgm:cxn modelId="{54B7C365-DD39-B94A-A93F-5BD6A40AAC1F}" type="presParOf" srcId="{A7C4232E-EE34-DE4C-9CD5-9B01DC0E37F8}" destId="{ADA84261-AFA7-8744-8C4D-1DDDD23BD50B}" srcOrd="2" destOrd="0" presId="urn:microsoft.com/office/officeart/2018/2/layout/IconLabelList"/>
   </dgm:cxnLst>
   <dgm:bg/>
   <dgm:whole/>
@@ -1946,7 +2042,7 @@
           </a:pPr>
           <a:r>
             <a:rPr lang="en-US" dirty="0"/>
-            <a:t>Integration of data profiling dashboard</a:t>
+            <a:t>Full integration of dashboard and UI update.</a:t>
           </a:r>
         </a:p>
       </dgm:t>
@@ -1991,8 +2087,8 @@
             </a:lnSpc>
           </a:pPr>
           <a:r>
-            <a:rPr lang="en-US"/>
-            <a:t>Integration of column cleaning </a:t>
+            <a:rPr lang="en-US" dirty="0"/>
+            <a:t>Full integration of column cleaning and UI update.</a:t>
           </a:r>
         </a:p>
       </dgm:t>
@@ -2037,8 +2133,8 @@
             </a:lnSpc>
           </a:pPr>
           <a:r>
-            <a:rPr lang="en-US"/>
-            <a:t>Evaluation</a:t>
+            <a:rPr lang="en-US" dirty="0"/>
+            <a:t>Evaluation phase 4</a:t>
           </a:r>
         </a:p>
       </dgm:t>
@@ -2083,8 +2179,8 @@
             </a:lnSpc>
           </a:pPr>
           <a:r>
-            <a:rPr lang="en-US"/>
-            <a:t>More charts and data cleaning functions</a:t>
+            <a:rPr lang="en-US" dirty="0"/>
+            <a:t>Software and integration testing.</a:t>
           </a:r>
         </a:p>
       </dgm:t>
@@ -2293,16 +2389,14 @@
       <dgm:prSet presAssocID="{FE37F0CE-4A0C-4F50-A8DD-138804922448}" presName="iconRect" presStyleLbl="node1" presStyleIdx="3" presStyleCnt="4"/>
       <dgm:spPr>
         <a:blipFill>
-          <a:blip xmlns:r="http://schemas.openxmlformats.org/officeDocument/2006/relationships" r:embed="rId1">
+          <a:blip xmlns:r="http://schemas.openxmlformats.org/officeDocument/2006/relationships" r:embed="rId7">
             <a:extLst>
-              <a:ext uri="{28A0092B-C50C-407E-A947-70E740481C1C}">
-                <a14:useLocalDpi xmlns:a14="http://schemas.microsoft.com/office/drawing/2010/main" val="0"/>
-              </a:ext>
               <a:ext uri="{96DAC541-7B7A-43D3-8B79-37D633B846F1}">
-                <asvg:svgBlip xmlns:asvg="http://schemas.microsoft.com/office/drawing/2016/SVG/main" r:embed="rId2"/>
+                <asvg:svgBlip xmlns:asvg="http://schemas.microsoft.com/office/drawing/2016/SVG/main" r:embed="rId8"/>
               </a:ext>
             </a:extLst>
           </a:blip>
+          <a:srcRect/>
           <a:stretch>
             <a:fillRect/>
           </a:stretch>
@@ -2310,7 +2404,7 @@
       </dgm:spPr>
       <dgm:extLst>
         <a:ext uri="{E40237B7-FDA0-4F09-8148-C483321AD2D9}">
-          <dgm14:cNvPr xmlns:dgm14="http://schemas.microsoft.com/office/drawing/2010/diagram" id="0" name="" descr="Bar chart"/>
+          <dgm14:cNvPr xmlns:dgm14="http://schemas.microsoft.com/office/drawing/2010/diagram" id="0" name="" descr="Programmer female with solid fill"/>
         </a:ext>
       </dgm:extLst>
     </dgm:pt>
@@ -2391,8 +2485,8 @@
       </dsp:nvSpPr>
       <dsp:spPr>
         <a:xfrm>
-          <a:off x="1212569" y="987197"/>
-          <a:ext cx="1300252" cy="1300252"/>
+          <a:off x="1138979" y="1203549"/>
+          <a:ext cx="932563" cy="932563"/>
         </a:xfrm>
         <a:prstGeom prst="rect">
           <a:avLst/>
@@ -2448,8 +2542,8 @@
       </dsp:nvSpPr>
       <dsp:spPr>
         <a:xfrm>
-          <a:off x="417971" y="2644140"/>
-          <a:ext cx="2889450" cy="720000"/>
+          <a:off x="569079" y="2427788"/>
+          <a:ext cx="2072362" cy="720000"/>
         </a:xfrm>
         <a:prstGeom prst="rect">
           <a:avLst/>
@@ -2478,7 +2572,7 @@
         </a:bodyPr>
         <a:lstStyle/>
         <a:p>
-          <a:pPr marL="0" lvl="0" indent="0" algn="ctr" defTabSz="1600200">
+          <a:pPr marL="0" lvl="0" indent="0" algn="ctr" defTabSz="1022350">
             <a:lnSpc>
               <a:spcPct val="100000"/>
             </a:lnSpc>
@@ -2491,14 +2585,14 @@
             <a:buNone/>
           </a:pPr>
           <a:r>
-            <a:rPr lang="en-US" sz="3600" kern="1200"/>
+            <a:rPr lang="en-US" sz="2300" kern="1200"/>
             <a:t>Work Done</a:t>
           </a:r>
         </a:p>
       </dsp:txBody>
       <dsp:txXfrm>
-        <a:off x="417971" y="2644140"/>
-        <a:ext cx="2889450" cy="720000"/>
+        <a:off x="569079" y="2427788"/>
+        <a:ext cx="2072362" cy="720000"/>
       </dsp:txXfrm>
     </dsp:sp>
     <dsp:sp modelId="{6C41D7EE-8D59-4A3C-B297-5F9DF23EBD63}">
@@ -2508,8 +2602,8 @@
       </dsp:nvSpPr>
       <dsp:spPr>
         <a:xfrm>
-          <a:off x="4607673" y="987197"/>
-          <a:ext cx="1300252" cy="1300252"/>
+          <a:off x="3574005" y="1203549"/>
+          <a:ext cx="932563" cy="932563"/>
         </a:xfrm>
         <a:prstGeom prst="rect">
           <a:avLst/>
@@ -2565,8 +2659,8 @@
       </dsp:nvSpPr>
       <dsp:spPr>
         <a:xfrm>
-          <a:off x="3813075" y="2644140"/>
-          <a:ext cx="2889450" cy="720000"/>
+          <a:off x="3004105" y="2427788"/>
+          <a:ext cx="2072362" cy="720000"/>
         </a:xfrm>
         <a:prstGeom prst="rect">
           <a:avLst/>
@@ -2595,7 +2689,7 @@
         </a:bodyPr>
         <a:lstStyle/>
         <a:p>
-          <a:pPr marL="0" lvl="0" indent="0" algn="ctr" defTabSz="1600200">
+          <a:pPr marL="0" lvl="0" indent="0" algn="ctr" defTabSz="1022350">
             <a:lnSpc>
               <a:spcPct val="100000"/>
             </a:lnSpc>
@@ -2608,14 +2702,14 @@
             <a:buNone/>
           </a:pPr>
           <a:r>
-            <a:rPr lang="en-US" sz="3600" kern="1200"/>
+            <a:rPr lang="en-US" sz="2300" kern="1200"/>
             <a:t>Work Planned</a:t>
           </a:r>
         </a:p>
       </dsp:txBody>
       <dsp:txXfrm>
-        <a:off x="3813075" y="2644140"/>
-        <a:ext cx="2889450" cy="720000"/>
+        <a:off x="3004105" y="2427788"/>
+        <a:ext cx="2072362" cy="720000"/>
       </dsp:txXfrm>
     </dsp:sp>
     <dsp:sp modelId="{EE4D6EBE-AF35-4EFF-80AE-7538DD132608}">
@@ -2625,8 +2719,8 @@
       </dsp:nvSpPr>
       <dsp:spPr>
         <a:xfrm>
-          <a:off x="8002777" y="987197"/>
-          <a:ext cx="1300252" cy="1300252"/>
+          <a:off x="5999575" y="1137095"/>
+          <a:ext cx="932563" cy="932563"/>
         </a:xfrm>
         <a:prstGeom prst="rect">
           <a:avLst/>
@@ -2634,14 +2728,12 @@
         <a:blipFill>
           <a:blip xmlns:r="http://schemas.openxmlformats.org/officeDocument/2006/relationships" r:embed="rId5">
             <a:extLst>
-              <a:ext uri="{28A0092B-C50C-407E-A947-70E740481C1C}">
-                <a14:useLocalDpi xmlns:a14="http://schemas.microsoft.com/office/drawing/2010/main" val="0"/>
-              </a:ext>
               <a:ext uri="{96DAC541-7B7A-43D3-8B79-37D633B846F1}">
                 <asvg:svgBlip xmlns:asvg="http://schemas.microsoft.com/office/drawing/2016/SVG/main" r:embed="rId6"/>
               </a:ext>
             </a:extLst>
           </a:blip>
+          <a:srcRect/>
           <a:stretch>
             <a:fillRect/>
           </a:stretch>
@@ -2682,8 +2774,8 @@
       </dsp:nvSpPr>
       <dsp:spPr>
         <a:xfrm>
-          <a:off x="7208178" y="2644140"/>
-          <a:ext cx="2889450" cy="720000"/>
+          <a:off x="5439131" y="2427788"/>
+          <a:ext cx="2072362" cy="720000"/>
         </a:xfrm>
         <a:prstGeom prst="rect">
           <a:avLst/>
@@ -2712,7 +2804,7 @@
         </a:bodyPr>
         <a:lstStyle/>
         <a:p>
-          <a:pPr marL="0" lvl="0" indent="0" algn="ctr" defTabSz="1600200">
+          <a:pPr marL="0" lvl="0" indent="0" algn="ctr" defTabSz="1022350">
             <a:lnSpc>
               <a:spcPct val="100000"/>
             </a:lnSpc>
@@ -2725,14 +2817,130 @@
             <a:buNone/>
           </a:pPr>
           <a:r>
-            <a:rPr lang="en-US" sz="3600" kern="1200"/>
-            <a:t>Demo</a:t>
+            <a:rPr lang="en-US" sz="2300" kern="1200" dirty="0"/>
+            <a:t>Updated architecture</a:t>
           </a:r>
         </a:p>
       </dsp:txBody>
       <dsp:txXfrm>
-        <a:off x="7208178" y="2644140"/>
-        <a:ext cx="2889450" cy="720000"/>
+        <a:off x="5439131" y="2427788"/>
+        <a:ext cx="2072362" cy="720000"/>
+      </dsp:txXfrm>
+    </dsp:sp>
+    <dsp:sp modelId="{9F6963A2-AAFD-974F-8050-BD261497179B}">
+      <dsp:nvSpPr>
+        <dsp:cNvPr id="0" name=""/>
+        <dsp:cNvSpPr/>
+      </dsp:nvSpPr>
+      <dsp:spPr>
+        <a:xfrm>
+          <a:off x="8444057" y="1203549"/>
+          <a:ext cx="932563" cy="932563"/>
+        </a:xfrm>
+        <a:prstGeom prst="rect">
+          <a:avLst/>
+        </a:prstGeom>
+        <a:blipFill>
+          <a:blip xmlns:r="http://schemas.openxmlformats.org/officeDocument/2006/relationships" r:embed="rId7">
+            <a:extLst>
+              <a:ext uri="{96DAC541-7B7A-43D3-8B79-37D633B846F1}">
+                <asvg:svgBlip xmlns:asvg="http://schemas.microsoft.com/office/drawing/2016/SVG/main" r:embed="rId8"/>
+              </a:ext>
+            </a:extLst>
+          </a:blip>
+          <a:srcRect/>
+          <a:stretch>
+            <a:fillRect/>
+          </a:stretch>
+        </a:blipFill>
+        <a:ln w="12700" cap="flat" cmpd="sng" algn="ctr">
+          <a:solidFill>
+            <a:schemeClr val="lt1">
+              <a:hueOff val="0"/>
+              <a:satOff val="0"/>
+              <a:lumOff val="0"/>
+              <a:alphaOff val="0"/>
+            </a:schemeClr>
+          </a:solidFill>
+          <a:prstDash val="solid"/>
+          <a:miter lim="800000"/>
+        </a:ln>
+        <a:effectLst/>
+      </dsp:spPr>
+      <dsp:style>
+        <a:lnRef idx="2">
+          <a:scrgbClr r="0" g="0" b="0"/>
+        </a:lnRef>
+        <a:fillRef idx="1">
+          <a:scrgbClr r="0" g="0" b="0"/>
+        </a:fillRef>
+        <a:effectRef idx="0">
+          <a:scrgbClr r="0" g="0" b="0"/>
+        </a:effectRef>
+        <a:fontRef idx="minor">
+          <a:schemeClr val="lt1"/>
+        </a:fontRef>
+      </dsp:style>
+    </dsp:sp>
+    <dsp:sp modelId="{ADA84261-AFA7-8744-8C4D-1DDDD23BD50B}">
+      <dsp:nvSpPr>
+        <dsp:cNvPr id="0" name=""/>
+        <dsp:cNvSpPr/>
+      </dsp:nvSpPr>
+      <dsp:spPr>
+        <a:xfrm>
+          <a:off x="7874157" y="2427788"/>
+          <a:ext cx="2072362" cy="720000"/>
+        </a:xfrm>
+        <a:prstGeom prst="rect">
+          <a:avLst/>
+        </a:prstGeom>
+        <a:noFill/>
+        <a:ln>
+          <a:noFill/>
+        </a:ln>
+        <a:effectLst/>
+      </dsp:spPr>
+      <dsp:style>
+        <a:lnRef idx="0">
+          <a:scrgbClr r="0" g="0" b="0"/>
+        </a:lnRef>
+        <a:fillRef idx="0">
+          <a:scrgbClr r="0" g="0" b="0"/>
+        </a:fillRef>
+        <a:effectRef idx="0">
+          <a:scrgbClr r="0" g="0" b="0"/>
+        </a:effectRef>
+        <a:fontRef idx="minor"/>
+      </dsp:style>
+      <dsp:txBody>
+        <a:bodyPr spcFirstLastPara="0" vert="horz" wrap="square" lIns="0" tIns="0" rIns="0" bIns="0" numCol="1" spcCol="1270" anchor="t" anchorCtr="0">
+          <a:noAutofit/>
+        </a:bodyPr>
+        <a:lstStyle/>
+        <a:p>
+          <a:pPr marL="0" lvl="0" indent="0" algn="ctr" defTabSz="1022350">
+            <a:lnSpc>
+              <a:spcPct val="100000"/>
+            </a:lnSpc>
+            <a:spcBef>
+              <a:spcPct val="0"/>
+            </a:spcBef>
+            <a:spcAft>
+              <a:spcPct val="35000"/>
+            </a:spcAft>
+            <a:buNone/>
+          </a:pPr>
+          <a:r>
+            <a:rPr lang="en-GB" sz="2300" kern="1200"/>
+            <a:t>Demo</a:t>
+          </a:r>
+          <a:endParaRPr lang="en-GB" sz="2300" kern="1200" dirty="0"/>
+        </a:p>
+      </dsp:txBody>
+      <dsp:txXfrm>
+        <a:off x="7874157" y="2427788"/>
+        <a:ext cx="2072362" cy="720000"/>
       </dsp:txXfrm>
     </dsp:sp>
   </dsp:spTree>
@@ -2896,7 +3104,7 @@
           </a:pPr>
           <a:r>
             <a:rPr lang="en-US" sz="2400" kern="1200" dirty="0"/>
-            <a:t>Integration of data profiling dashboard</a:t>
+            <a:t>Full integration of dashboard and UI update.</a:t>
           </a:r>
         </a:p>
       </dsp:txBody>
@@ -3053,8 +3261,8 @@
             <a:buNone/>
           </a:pPr>
           <a:r>
-            <a:rPr lang="en-US" sz="2400" kern="1200"/>
-            <a:t>Integration of column cleaning </a:t>
+            <a:rPr lang="en-US" sz="2400" kern="1200" dirty="0"/>
+            <a:t>Full integration of column cleaning and UI update.</a:t>
           </a:r>
         </a:p>
       </dsp:txBody>
@@ -3210,8 +3418,8 @@
             <a:buNone/>
           </a:pPr>
           <a:r>
-            <a:rPr lang="en-US" sz="2400" kern="1200"/>
-            <a:t>Evaluation</a:t>
+            <a:rPr lang="en-US" sz="2400" kern="1200" dirty="0"/>
+            <a:t>Evaluation phase 4</a:t>
           </a:r>
         </a:p>
       </dsp:txBody>
@@ -3274,16 +3482,14 @@
           <a:avLst/>
         </a:prstGeom>
         <a:blipFill>
-          <a:blip xmlns:r="http://schemas.openxmlformats.org/officeDocument/2006/relationships" r:embed="rId1">
+          <a:blip xmlns:r="http://schemas.openxmlformats.org/officeDocument/2006/relationships" r:embed="rId7">
             <a:extLst>
-              <a:ext uri="{28A0092B-C50C-407E-A947-70E740481C1C}">
-                <a14:useLocalDpi xmlns:a14="http://schemas.microsoft.com/office/drawing/2010/main" val="0"/>
-              </a:ext>
               <a:ext uri="{96DAC541-7B7A-43D3-8B79-37D633B846F1}">
-                <asvg:svgBlip xmlns:asvg="http://schemas.microsoft.com/office/drawing/2016/SVG/main" r:embed="rId2"/>
+                <asvg:svgBlip xmlns:asvg="http://schemas.microsoft.com/office/drawing/2016/SVG/main" r:embed="rId8"/>
               </a:ext>
             </a:extLst>
           </a:blip>
+          <a:srcRect/>
           <a:stretch>
             <a:fillRect/>
           </a:stretch>
@@ -3367,8 +3573,8 @@
             <a:buNone/>
           </a:pPr>
           <a:r>
-            <a:rPr lang="en-US" sz="2400" kern="1200"/>
-            <a:t>More charts and data cleaning functions</a:t>
+            <a:rPr lang="en-US" sz="2400" kern="1200" dirty="0"/>
+            <a:t>Software and integration testing.</a:t>
           </a:r>
         </a:p>
       </dsp:txBody>
@@ -6000,7 +6206,7 @@
           <a:p>
             <a:fld id="{7C53E17C-C099-E34C-A7AA-EFD0763C3A24}" type="datetimeFigureOut">
               <a:rPr lang="en-US" smtClean="0"/>
-              <a:t>11/9/23</a:t>
+              <a:t>11/30/23</a:t>
             </a:fld>
             <a:endParaRPr lang="en-US"/>
           </a:p>
@@ -6200,7 +6406,7 @@
           <a:p>
             <a:fld id="{7C53E17C-C099-E34C-A7AA-EFD0763C3A24}" type="datetimeFigureOut">
               <a:rPr lang="en-US" smtClean="0"/>
-              <a:t>11/9/23</a:t>
+              <a:t>11/30/23</a:t>
             </a:fld>
             <a:endParaRPr lang="en-US"/>
           </a:p>
@@ -6410,7 +6616,7 @@
           <a:p>
             <a:fld id="{7C53E17C-C099-E34C-A7AA-EFD0763C3A24}" type="datetimeFigureOut">
               <a:rPr lang="en-US" smtClean="0"/>
-              <a:t>11/9/23</a:t>
+              <a:t>11/30/23</a:t>
             </a:fld>
             <a:endParaRPr lang="en-US"/>
           </a:p>
@@ -6610,7 +6816,7 @@
           <a:p>
             <a:fld id="{7C53E17C-C099-E34C-A7AA-EFD0763C3A24}" type="datetimeFigureOut">
               <a:rPr lang="en-US" smtClean="0"/>
-              <a:t>11/9/23</a:t>
+              <a:t>11/30/23</a:t>
             </a:fld>
             <a:endParaRPr lang="en-US"/>
           </a:p>
@@ -6886,7 +7092,7 @@
           <a:p>
             <a:fld id="{7C53E17C-C099-E34C-A7AA-EFD0763C3A24}" type="datetimeFigureOut">
               <a:rPr lang="en-US" smtClean="0"/>
-              <a:t>11/9/23</a:t>
+              <a:t>11/30/23</a:t>
             </a:fld>
             <a:endParaRPr lang="en-US"/>
           </a:p>
@@ -7154,7 +7360,7 @@
           <a:p>
             <a:fld id="{7C53E17C-C099-E34C-A7AA-EFD0763C3A24}" type="datetimeFigureOut">
               <a:rPr lang="en-US" smtClean="0"/>
-              <a:t>11/9/23</a:t>
+              <a:t>11/30/23</a:t>
             </a:fld>
             <a:endParaRPr lang="en-US"/>
           </a:p>
@@ -7569,7 +7775,7 @@
           <a:p>
             <a:fld id="{7C53E17C-C099-E34C-A7AA-EFD0763C3A24}" type="datetimeFigureOut">
               <a:rPr lang="en-US" smtClean="0"/>
-              <a:t>11/9/23</a:t>
+              <a:t>11/30/23</a:t>
             </a:fld>
             <a:endParaRPr lang="en-US"/>
           </a:p>
@@ -7711,7 +7917,7 @@
           <a:p>
             <a:fld id="{7C53E17C-C099-E34C-A7AA-EFD0763C3A24}" type="datetimeFigureOut">
               <a:rPr lang="en-US" smtClean="0"/>
-              <a:t>11/9/23</a:t>
+              <a:t>11/30/23</a:t>
             </a:fld>
             <a:endParaRPr lang="en-US"/>
           </a:p>
@@ -7824,7 +8030,7 @@
           <a:p>
             <a:fld id="{7C53E17C-C099-E34C-A7AA-EFD0763C3A24}" type="datetimeFigureOut">
               <a:rPr lang="en-US" smtClean="0"/>
-              <a:t>11/9/23</a:t>
+              <a:t>11/30/23</a:t>
             </a:fld>
             <a:endParaRPr lang="en-US"/>
           </a:p>
@@ -8137,7 +8343,7 @@
           <a:p>
             <a:fld id="{7C53E17C-C099-E34C-A7AA-EFD0763C3A24}" type="datetimeFigureOut">
               <a:rPr lang="en-US" smtClean="0"/>
-              <a:t>11/9/23</a:t>
+              <a:t>11/30/23</a:t>
             </a:fld>
             <a:endParaRPr lang="en-US"/>
           </a:p>
@@ -8426,7 +8632,7 @@
           <a:p>
             <a:fld id="{7C53E17C-C099-E34C-A7AA-EFD0763C3A24}" type="datetimeFigureOut">
               <a:rPr lang="en-US" smtClean="0"/>
-              <a:t>11/9/23</a:t>
+              <a:t>11/30/23</a:t>
             </a:fld>
             <a:endParaRPr lang="en-US"/>
           </a:p>
@@ -8669,7 +8875,7 @@
           <a:p>
             <a:fld id="{7C53E17C-C099-E34C-A7AA-EFD0763C3A24}" type="datetimeFigureOut">
               <a:rPr lang="en-US" smtClean="0"/>
-              <a:t>11/9/23</a:t>
+              <a:t>11/30/23</a:t>
             </a:fld>
             <a:endParaRPr lang="en-US"/>
           </a:p>
@@ -9211,6 +9417,11 @@
           </p:cNvGraphicFramePr>
           <p:nvPr>
             <p:ph idx="1"/>
+            <p:extLst>
+              <p:ext uri="{D42A27DB-BD31-4B8C-83A1-F6EECF244321}">
+                <p14:modId xmlns:p14="http://schemas.microsoft.com/office/powerpoint/2010/main" val="3536003367"/>
+              </p:ext>
+            </p:extLst>
           </p:nvPr>
         </p:nvGraphicFramePr>
         <p:xfrm>
@@ -9320,7 +9531,7 @@
         </p:spPr>
         <p:txBody>
           <a:bodyPr anchor="ctr">
-            <a:normAutofit lnSpcReduction="10000"/>
+            <a:normAutofit/>
           </a:bodyPr>
           <a:lstStyle/>
           <a:p>
@@ -9333,20 +9544,7 @@
             <a:pPr lvl="1"/>
             <a:r>
               <a:rPr lang="en-US" sz="2000" dirty="0"/>
-              <a:t>Core profiling and data quality charts created</a:t>
-            </a:r>
-          </a:p>
-          <a:p>
-            <a:r>
-              <a:rPr lang="en-US" sz="2000" dirty="0"/>
-              <a:t>Data Preview Page</a:t>
-            </a:r>
-          </a:p>
-          <a:p>
-            <a:pPr lvl="1"/>
-            <a:r>
-              <a:rPr lang="en-US" sz="2000" dirty="0"/>
-              <a:t>Showing the user sample data (Ensure data is loaded in correctly)</a:t>
+              <a:t>All charts created.</a:t>
             </a:r>
           </a:p>
           <a:p>
@@ -9359,27 +9557,27 @@
             <a:pPr lvl="1"/>
             <a:r>
               <a:rPr lang="en-US" sz="2000" dirty="0"/>
-              <a:t>Functionality created</a:t>
+              <a:t>Functionality finished</a:t>
             </a:r>
           </a:p>
           <a:p>
             <a:pPr lvl="1"/>
             <a:r>
               <a:rPr lang="en-US" sz="2000" dirty="0"/>
-              <a:t>UI </a:t>
+              <a:t>UI created</a:t>
             </a:r>
           </a:p>
           <a:p>
             <a:r>
               <a:rPr lang="en-US" sz="2000" dirty="0"/>
-              <a:t>Evaluation planned and prepared</a:t>
+              <a:t>Architecture update</a:t>
             </a:r>
           </a:p>
           <a:p>
             <a:pPr lvl="1"/>
             <a:r>
               <a:rPr lang="en-US" sz="2000" dirty="0"/>
-              <a:t>Questionnaire, cognitive walk through, think aloud and AB testing. </a:t>
+              <a:t>Change in architecture to include user authentication</a:t>
             </a:r>
           </a:p>
         </p:txBody>
@@ -9567,7 +9765,7 @@
             <p:ph idx="1"/>
             <p:extLst>
               <p:ext uri="{D42A27DB-BD31-4B8C-83A1-F6EECF244321}">
-                <p14:modId xmlns:p14="http://schemas.microsoft.com/office/powerpoint/2010/main" val="3669520048"/>
+                <p14:modId xmlns:p14="http://schemas.microsoft.com/office/powerpoint/2010/main" val="94832626"/>
               </p:ext>
             </p:extLst>
           </p:nvPr>
